--- a/docs/编译原理课程项目PPT.pptx
+++ b/docs/编译原理课程项目PPT.pptx
@@ -831,41 +831,6 @@
               </a:spcAft>
               <a:buNone/>
             </a:pPr>
-            <a:r>
-              <a:rPr lang="zh-CN" altLang="en-US">
-                <a:latin typeface="黑体" panose="02010609060101010101" pitchFamily="49" charset="-122"/>
-                <a:ea typeface="黑体" panose="02010609060101010101" pitchFamily="49" charset="-122"/>
-              </a:rPr>
-              <a:t>老师好，我是来自</a:t>
-            </a:r>
-            <a:r>
-              <a:rPr lang="en-US" altLang="zh-CN">
-                <a:latin typeface="黑体" panose="02010609060101010101" pitchFamily="49" charset="-122"/>
-                <a:ea typeface="黑体" panose="02010609060101010101" pitchFamily="49" charset="-122"/>
-              </a:rPr>
-              <a:t>22</a:t>
-            </a:r>
-            <a:r>
-              <a:rPr lang="zh-CN" altLang="en-US">
-                <a:latin typeface="黑体" panose="02010609060101010101" pitchFamily="49" charset="-122"/>
-                <a:ea typeface="黑体" panose="02010609060101010101" pitchFamily="49" charset="-122"/>
-              </a:rPr>
-              <a:t>级计算机科学与技术</a:t>
-            </a:r>
-            <a:r>
-              <a:rPr lang="en-US" altLang="zh-CN">
-                <a:latin typeface="黑体" panose="02010609060101010101" pitchFamily="49" charset="-122"/>
-                <a:ea typeface="黑体" panose="02010609060101010101" pitchFamily="49" charset="-122"/>
-              </a:rPr>
-              <a:t>3</a:t>
-            </a:r>
-            <a:r>
-              <a:rPr lang="zh-CN" altLang="en-US">
-                <a:latin typeface="黑体" panose="02010609060101010101" pitchFamily="49" charset="-122"/>
-                <a:ea typeface="黑体" panose="02010609060101010101" pitchFamily="49" charset="-122"/>
-              </a:rPr>
-              <a:t>班的林江荣，接下来我将对我编译原理的课程项目进行讲解。</a:t>
-            </a:r>
             <a:endParaRPr>
               <a:latin typeface="黑体" panose="02010609060101010101" pitchFamily="49" charset="-122"/>
               <a:ea typeface="黑体" panose="02010609060101010101" pitchFamily="49" charset="-122"/>
@@ -3441,111 +3406,6 @@
             <a:noAutofit/>
           </a:bodyPr>
           <a:lstStyle/>
-          <a:p>
-            <a:pPr marL="0" lvl="0" indent="0" algn="l" rtl="0">
-              <a:spcBef>
-                <a:spcPts val="0"/>
-              </a:spcBef>
-              <a:spcAft>
-                <a:spcPts val="0"/>
-              </a:spcAft>
-              <a:buNone/>
-            </a:pPr>
-            <a:r>
-              <a:rPr lang="zh-CN" altLang="en-US"/>
-              <a:t>对于正则表达式转</a:t>
-            </a:r>
-            <a:r>
-              <a:rPr lang="en-US" altLang="zh-CN"/>
-              <a:t>NFA</a:t>
-            </a:r>
-            <a:r>
-              <a:rPr lang="zh-CN" altLang="en-US"/>
-              <a:t>，采用的是</a:t>
-            </a:r>
-            <a:r>
-              <a:rPr lang="en-US" altLang="zh-CN"/>
-              <a:t>Thompson</a:t>
-            </a:r>
-            <a:r>
-              <a:rPr lang="zh-CN" altLang="en-US"/>
-              <a:t>方法，通过该方法可以通过类似计算算术表达式的方式，“计算”出正则表达式的</a:t>
-            </a:r>
-            <a:r>
-              <a:rPr lang="en-US" altLang="zh-CN"/>
-              <a:t>NFA</a:t>
-            </a:r>
-            <a:r>
-              <a:rPr lang="zh-CN" altLang="en-US"/>
-              <a:t>结果。</a:t>
-            </a:r>
-            <a:r>
-              <a:rPr lang="en-US" altLang="zh-CN"/>
-              <a:t>Thompson</a:t>
-            </a:r>
-            <a:r>
-              <a:rPr lang="zh-CN" altLang="en-US"/>
-              <a:t>方法对于不同运算的操作如图所示</a:t>
-            </a:r>
-            <a:r>
-              <a:rPr lang="zh-CN" altLang="en-US">
-                <a:sym typeface="Wingdings" panose="05000000000000000000" pitchFamily="2" charset="2"/>
-              </a:rPr>
-              <a:t>：（讲图内容）</a:t>
-            </a:r>
-            <a:endParaRPr lang="en-US" altLang="zh-CN">
-              <a:sym typeface="Wingdings" panose="05000000000000000000" pitchFamily="2" charset="2"/>
-            </a:endParaRPr>
-          </a:p>
-          <a:p>
-            <a:pPr marL="0" marR="0" lvl="0" indent="0" algn="l" defTabSz="914400" rtl="0" eaLnBrk="1" fontAlgn="auto" latinLnBrk="0" hangingPunct="1">
-              <a:lnSpc>
-                <a:spcPct val="100000"/>
-              </a:lnSpc>
-              <a:spcBef>
-                <a:spcPts val="0"/>
-              </a:spcBef>
-              <a:spcAft>
-                <a:spcPts val="0"/>
-              </a:spcAft>
-              <a:buClr>
-                <a:srgbClr val="000000"/>
-              </a:buClr>
-              <a:buSzPts val="1100"/>
-              <a:buFont typeface="Arial"/>
-              <a:buNone/>
-              <a:tabLst/>
-              <a:defRPr/>
-            </a:pPr>
-            <a:r>
-              <a:rPr lang="zh-CN" altLang="en-US"/>
-              <a:t>为了实现简便地计算出正则表达式的</a:t>
-            </a:r>
-            <a:r>
-              <a:rPr lang="en-US" altLang="zh-CN"/>
-              <a:t>NFA</a:t>
-            </a:r>
-            <a:r>
-              <a:rPr lang="zh-CN" altLang="en-US"/>
-              <a:t>结果，我采用了先将正则表达式转为对应的后缀表达式的形式，之后按照后缀表达式的计算方法结合</a:t>
-            </a:r>
-            <a:r>
-              <a:rPr lang="en-US" altLang="zh-CN"/>
-              <a:t>Thompson</a:t>
-            </a:r>
-            <a:r>
-              <a:rPr lang="zh-CN" altLang="en-US"/>
-              <a:t>最终“计算”出每个正则表达式对应的</a:t>
-            </a:r>
-            <a:r>
-              <a:rPr lang="en-US" altLang="zh-CN"/>
-              <a:t>NFA</a:t>
-            </a:r>
-            <a:r>
-              <a:rPr lang="zh-CN" altLang="en-US"/>
-              <a:t>结果。</a:t>
-            </a:r>
-          </a:p>
           <a:p>
             <a:pPr marL="0" lvl="0" indent="0" algn="l" rtl="0">
               <a:spcBef>
@@ -11011,7 +10871,7 @@
         <p:spPr>
           <a:xfrm>
             <a:off x="351057" y="3014663"/>
-            <a:ext cx="3215100" cy="485975"/>
+            <a:ext cx="4110330" cy="485975"/>
           </a:xfrm>
           <a:prstGeom prst="rect">
             <a:avLst/>
@@ -11047,6 +10907,10 @@
             <a:r>
               <a:rPr lang="zh-CN" altLang="en-US"/>
               <a:t>班 林江荣</a:t>
+            </a:r>
+            <a:r>
+              <a:rPr lang="en-US" altLang="zh-CN"/>
+              <a:t>-20212821028</a:t>
             </a:r>
             <a:endParaRPr lang="en-US"/>
           </a:p>
@@ -17340,7 +17204,7 @@
                 <a:latin typeface="Cambria Math" panose="02040503050406030204" pitchFamily="18" charset="0"/>
                 <a:ea typeface="Cambria Math" panose="02040503050406030204" pitchFamily="18" charset="0"/>
               </a:rPr>
-              <a:t>先处理规约后处理移进目的是使用解决可能存在移进</a:t>
+              <a:t>先处理归约后处理移进目的是使用解决可能存在移进</a:t>
             </a:r>
             <a:r>
               <a:rPr lang="en-US" altLang="zh-CN" sz="800">
@@ -28062,150 +27926,66 @@
           </a:p>
         </p:txBody>
       </p:sp>
-      <p:sp>
-        <p:nvSpPr>
-          <p:cNvPr id="27" name="文本框 26">
+      <p:pic>
+        <p:nvPicPr>
+          <p:cNvPr id="1026" name="图片 1">
             <a:extLst>
               <a:ext uri="{FF2B5EF4-FFF2-40B4-BE49-F238E27FC236}">
-                <a16:creationId xmlns:a16="http://schemas.microsoft.com/office/drawing/2014/main" id="{BBA1D17B-1B97-E013-A1A6-09FA77C12559}"/>
+                <a16:creationId xmlns:a16="http://schemas.microsoft.com/office/drawing/2014/main" id="{6C4E19F4-E465-C722-8C04-26D730FEF8E1}"/>
               </a:ext>
             </a:extLst>
           </p:cNvPr>
-          <p:cNvSpPr txBox="1"/>
+          <p:cNvPicPr>
+            <a:picLocks noChangeAspect="1" noChangeArrowheads="1"/>
+          </p:cNvPicPr>
           <p:nvPr/>
-        </p:nvSpPr>
-        <p:spPr>
+        </p:nvPicPr>
+        <p:blipFill>
+          <a:blip r:embed="rId4">
+            <a:extLst>
+              <a:ext uri="{28A0092B-C50C-407E-A947-70E740481C1C}">
+                <a14:useLocalDpi xmlns:a14="http://schemas.microsoft.com/office/drawing/2010/main" val="0"/>
+              </a:ext>
+            </a:extLst>
+          </a:blip>
+          <a:srcRect/>
+          <a:stretch>
+            <a:fillRect/>
+          </a:stretch>
+        </p:blipFill>
+        <p:spPr bwMode="auto">
           <a:xfrm>
-            <a:off x="1271121" y="4219630"/>
-            <a:ext cx="6437981" cy="333489"/>
+            <a:off x="1821016" y="1221415"/>
+            <a:ext cx="5501967" cy="3146610"/>
           </a:xfrm>
           <a:prstGeom prst="rect">
             <a:avLst/>
           </a:prstGeom>
           <a:noFill/>
+          <a:ln>
+            <a:noFill/>
+          </a:ln>
+          <a:extLst>
+            <a:ext uri="{909E8E84-426E-40DD-AFC4-6F175D3DCCD1}">
+              <a14:hiddenFill xmlns:a14="http://schemas.microsoft.com/office/drawing/2010/main">
+                <a:solidFill>
+                  <a:srgbClr val="FFFFFF"/>
+                </a:solidFill>
+              </a14:hiddenFill>
+            </a:ext>
+            <a:ext uri="{91240B29-F687-4F45-9708-019B960494DF}">
+              <a14:hiddenLine xmlns:a14="http://schemas.microsoft.com/office/drawing/2010/main" w="9525">
+                <a:solidFill>
+                  <a:srgbClr val="000000"/>
+                </a:solidFill>
+                <a:miter lim="800000"/>
+                <a:headEnd/>
+                <a:tailEnd/>
+              </a14:hiddenLine>
+            </a:ext>
+          </a:extLst>
         </p:spPr>
-        <p:txBody>
-          <a:bodyPr wrap="none" rtlCol="0">
-            <a:spAutoFit/>
-          </a:bodyPr>
-          <a:lstStyle/>
-          <a:p>
-            <a:pPr>
-              <a:lnSpc>
-                <a:spcPct val="150000"/>
-              </a:lnSpc>
-            </a:pPr>
-            <a:r>
-              <a:rPr lang="zh-CN" altLang="en-US" sz="1200">
-                <a:latin typeface="Cambria Math" panose="02040503050406030204" pitchFamily="18" charset="0"/>
-                <a:ea typeface="黑体" panose="02010609060101010101" pitchFamily="49" charset="-122"/>
-              </a:rPr>
-              <a:t>计算</a:t>
-            </a:r>
-            <a:r>
-              <a:rPr lang="en-US" altLang="zh-CN" sz="1200">
-                <a:latin typeface="Cambria Math" panose="02040503050406030204" pitchFamily="18" charset="0"/>
-                <a:ea typeface="黑体" panose="02010609060101010101" pitchFamily="49" charset="-122"/>
-              </a:rPr>
-              <a:t>NFA</a:t>
-            </a:r>
-            <a:r>
-              <a:rPr lang="zh-CN" altLang="en-US" sz="1200">
-                <a:latin typeface="Cambria Math" panose="02040503050406030204" pitchFamily="18" charset="0"/>
-                <a:ea typeface="黑体" panose="02010609060101010101" pitchFamily="49" charset="-122"/>
-              </a:rPr>
-              <a:t>初态</a:t>
-            </a:r>
-            <a:r>
-              <a:rPr lang="en-US" altLang="zh-CN" sz="1200">
-                <a:latin typeface="Cambria Math" panose="02040503050406030204" pitchFamily="18" charset="0"/>
-                <a:ea typeface="黑体" panose="02010609060101010101" pitchFamily="49" charset="-122"/>
-              </a:rPr>
-              <a:t>ε</a:t>
-            </a:r>
-            <a:r>
-              <a:rPr lang="zh-CN" altLang="en-US" sz="1200">
-                <a:latin typeface="Cambria Math" panose="02040503050406030204" pitchFamily="18" charset="0"/>
-                <a:ea typeface="黑体" panose="02010609060101010101" pitchFamily="49" charset="-122"/>
-              </a:rPr>
-              <a:t>闭包→获取某个未处理</a:t>
-            </a:r>
-            <a:r>
-              <a:rPr lang="en-US" altLang="zh-CN" sz="1200">
-                <a:latin typeface="Cambria Math" panose="02040503050406030204" pitchFamily="18" charset="0"/>
-                <a:ea typeface="黑体" panose="02010609060101010101" pitchFamily="49" charset="-122"/>
-              </a:rPr>
-              <a:t>DFA</a:t>
-            </a:r>
-            <a:r>
-              <a:rPr lang="zh-CN" altLang="en-US" sz="1200">
-                <a:latin typeface="Cambria Math" panose="02040503050406030204" pitchFamily="18" charset="0"/>
-                <a:ea typeface="黑体" panose="02010609060101010101" pitchFamily="49" charset="-122"/>
-              </a:rPr>
-              <a:t>状态的各个转移得到的新集合→计算新集合的</a:t>
-            </a:r>
-            <a:r>
-              <a:rPr lang="en-US" altLang="zh-CN" sz="1200">
-                <a:latin typeface="Cambria Math" panose="02040503050406030204" pitchFamily="18" charset="0"/>
-                <a:ea typeface="黑体" panose="02010609060101010101" pitchFamily="49" charset="-122"/>
-              </a:rPr>
-              <a:t>ε</a:t>
-            </a:r>
-            <a:r>
-              <a:rPr lang="zh-CN" altLang="en-US" sz="1200">
-                <a:latin typeface="Cambria Math" panose="02040503050406030204" pitchFamily="18" charset="0"/>
-                <a:ea typeface="黑体" panose="02010609060101010101" pitchFamily="49" charset="-122"/>
-              </a:rPr>
-              <a:t>闭包</a:t>
-            </a:r>
-          </a:p>
-        </p:txBody>
-      </p:sp>
-      <p:cxnSp>
-        <p:nvCxnSpPr>
-          <p:cNvPr id="29" name="连接符: 肘形 28">
-            <a:extLst>
-              <a:ext uri="{FF2B5EF4-FFF2-40B4-BE49-F238E27FC236}">
-                <a16:creationId xmlns:a16="http://schemas.microsoft.com/office/drawing/2014/main" id="{94CC235F-53D0-24FB-CDCA-87E2336AE45C}"/>
-              </a:ext>
-            </a:extLst>
-          </p:cNvPr>
-          <p:cNvCxnSpPr>
-            <a:cxnSpLocks/>
-            <a:endCxn id="27" idx="0"/>
-          </p:cNvCxnSpPr>
-          <p:nvPr/>
-        </p:nvCxnSpPr>
-        <p:spPr>
-          <a:xfrm rot="10800000">
-            <a:off x="4490112" y="4219630"/>
-            <a:ext cx="2257546" cy="12700"/>
-          </a:xfrm>
-          <a:prstGeom prst="bentConnector4">
-            <a:avLst>
-              <a:gd name="adj1" fmla="val 132"/>
-              <a:gd name="adj2" fmla="val 1800000"/>
-            </a:avLst>
-          </a:prstGeom>
-          <a:ln>
-            <a:tailEnd type="triangle"/>
-          </a:ln>
-        </p:spPr>
-        <p:style>
-          <a:lnRef idx="1">
-            <a:schemeClr val="dk1"/>
-          </a:lnRef>
-          <a:fillRef idx="0">
-            <a:schemeClr val="dk1"/>
-          </a:fillRef>
-          <a:effectRef idx="0">
-            <a:schemeClr val="dk1"/>
-          </a:effectRef>
-          <a:fontRef idx="minor">
-            <a:schemeClr val="tx1"/>
-          </a:fontRef>
-        </p:style>
-      </p:cxnSp>
+      </p:pic>
     </p:spTree>
     <p:extLst>
       <p:ext uri="{BB962C8B-B14F-4D97-AF65-F5344CB8AC3E}">
@@ -29676,7 +29456,7 @@
                             </p:stCondLst>
                             <p:childTnLst>
                               <p:par>
-                                <p:cTn id="111" presetID="2" presetClass="entr" presetSubtype="4" fill="hold" grpId="0" nodeType="clickEffect">
+                                <p:cTn id="111" presetID="2" presetClass="entr" presetSubtype="4" fill="hold" nodeType="clickEffect">
                                   <p:stCondLst>
                                     <p:cond delay="0"/>
                                   </p:stCondLst>
@@ -29689,7 +29469,7 @@
                                           </p:stCondLst>
                                         </p:cTn>
                                         <p:tgtEl>
-                                          <p:spTgt spid="27"/>
+                                          <p:spTgt spid="1026"/>
                                         </p:tgtEl>
                                         <p:attrNameLst>
                                           <p:attrName>style.visibility</p:attrName>
@@ -29703,7 +29483,7 @@
                                       <p:cBhvr additive="base">
                                         <p:cTn id="113" dur="500" fill="hold"/>
                                         <p:tgtEl>
-                                          <p:spTgt spid="27"/>
+                                          <p:spTgt spid="1026"/>
                                         </p:tgtEl>
                                         <p:attrNameLst>
                                           <p:attrName>ppt_x</p:attrName>
@@ -29726,80 +29506,7 @@
                                       <p:cBhvr additive="base">
                                         <p:cTn id="114" dur="500" fill="hold"/>
                                         <p:tgtEl>
-                                          <p:spTgt spid="27"/>
-                                        </p:tgtEl>
-                                        <p:attrNameLst>
-                                          <p:attrName>ppt_y</p:attrName>
-                                        </p:attrNameLst>
-                                      </p:cBhvr>
-                                      <p:tavLst>
-                                        <p:tav tm="0">
-                                          <p:val>
-                                            <p:strVal val="1+#ppt_h/2"/>
-                                          </p:val>
-                                        </p:tav>
-                                        <p:tav tm="100000">
-                                          <p:val>
-                                            <p:strVal val="#ppt_y"/>
-                                          </p:val>
-                                        </p:tav>
-                                      </p:tavLst>
-                                    </p:anim>
-                                  </p:childTnLst>
-                                </p:cTn>
-                              </p:par>
-                              <p:par>
-                                <p:cTn id="115" presetID="2" presetClass="entr" presetSubtype="4" fill="hold" nodeType="withEffect">
-                                  <p:stCondLst>
-                                    <p:cond delay="0"/>
-                                  </p:stCondLst>
-                                  <p:childTnLst>
-                                    <p:set>
-                                      <p:cBhvr>
-                                        <p:cTn id="116" dur="1" fill="hold">
-                                          <p:stCondLst>
-                                            <p:cond delay="0"/>
-                                          </p:stCondLst>
-                                        </p:cTn>
-                                        <p:tgtEl>
-                                          <p:spTgt spid="29"/>
-                                        </p:tgtEl>
-                                        <p:attrNameLst>
-                                          <p:attrName>style.visibility</p:attrName>
-                                        </p:attrNameLst>
-                                      </p:cBhvr>
-                                      <p:to>
-                                        <p:strVal val="visible"/>
-                                      </p:to>
-                                    </p:set>
-                                    <p:anim calcmode="lin" valueType="num">
-                                      <p:cBhvr additive="base">
-                                        <p:cTn id="117" dur="500" fill="hold"/>
-                                        <p:tgtEl>
-                                          <p:spTgt spid="29"/>
-                                        </p:tgtEl>
-                                        <p:attrNameLst>
-                                          <p:attrName>ppt_x</p:attrName>
-                                        </p:attrNameLst>
-                                      </p:cBhvr>
-                                      <p:tavLst>
-                                        <p:tav tm="0">
-                                          <p:val>
-                                            <p:strVal val="#ppt_x"/>
-                                          </p:val>
-                                        </p:tav>
-                                        <p:tav tm="100000">
-                                          <p:val>
-                                            <p:strVal val="#ppt_x"/>
-                                          </p:val>
-                                        </p:tav>
-                                      </p:tavLst>
-                                    </p:anim>
-                                    <p:anim calcmode="lin" valueType="num">
-                                      <p:cBhvr additive="base">
-                                        <p:cTn id="118" dur="500" fill="hold"/>
-                                        <p:tgtEl>
-                                          <p:spTgt spid="29"/>
+                                          <p:spTgt spid="1026"/>
                                         </p:tgtEl>
                                         <p:attrNameLst>
                                           <p:attrName>ppt_y</p:attrName>
@@ -29871,7 +29578,6 @@
       <p:bldP spid="24" grpId="0"/>
       <p:bldP spid="25" grpId="0" animBg="1"/>
       <p:bldP spid="26" grpId="0" animBg="1"/>
-      <p:bldP spid="27" grpId="0"/>
     </p:bldLst>
   </p:timing>
 </p:sld>

--- a/docs/编译原理课程项目PPT.pptx
+++ b/docs/编译原理课程项目PPT.pptx
@@ -2195,13 +2195,6 @@
               <a:tabLst/>
               <a:defRPr/>
             </a:pPr>
-            <a:r>
-              <a:rPr lang="zh-CN" altLang="en-US" sz="1200">
-                <a:latin typeface="黑体" panose="02010609060101010101" pitchFamily="49" charset="-122"/>
-                <a:ea typeface="黑体" panose="02010609060101010101" pitchFamily="49" charset="-122"/>
-              </a:rPr>
-              <a:t>我将分别讲解各个项目任务具体的内容实现，并在最后对本项目进行总结。</a:t>
-            </a:r>
             <a:endParaRPr/>
           </a:p>
         </p:txBody>
@@ -3149,42 +3142,6 @@
               </a:spcAft>
               <a:buNone/>
             </a:pPr>
-            <a:r>
-              <a:rPr lang="zh-CN" altLang="en-US"/>
-              <a:t>首先是项目任务一的内容，主要包括对输入的正则表达式进行预处理，实现正则表达式转</a:t>
-            </a:r>
-            <a:r>
-              <a:rPr lang="en-US" altLang="zh-CN"/>
-              <a:t>NFA</a:t>
-            </a:r>
-            <a:r>
-              <a:rPr lang="zh-CN" altLang="en-US"/>
-              <a:t>、</a:t>
-            </a:r>
-            <a:r>
-              <a:rPr lang="en-US" altLang="zh-CN"/>
-              <a:t>NFA</a:t>
-            </a:r>
-            <a:r>
-              <a:rPr lang="zh-CN" altLang="en-US"/>
-              <a:t>转</a:t>
-            </a:r>
-            <a:r>
-              <a:rPr lang="en-US" altLang="zh-CN"/>
-              <a:t>DFA</a:t>
-            </a:r>
-            <a:r>
-              <a:rPr lang="zh-CN" altLang="en-US"/>
-              <a:t>以及</a:t>
-            </a:r>
-            <a:r>
-              <a:rPr lang="en-US" altLang="zh-CN"/>
-              <a:t>DFA</a:t>
-            </a:r>
-            <a:r>
-              <a:rPr lang="zh-CN" altLang="en-US"/>
-              <a:t>的最小化，之后生成对应的词法分析源程序，并利用该词法分析程序对某高级程序设计语言的源代码进行词法分析。</a:t>
-            </a:r>
             <a:endParaRPr/>
           </a:p>
         </p:txBody>
@@ -10921,6 +10878,14 @@
   <p:clrMapOvr>
     <a:masterClrMapping/>
   </p:clrMapOvr>
+  <mc:AlternateContent xmlns:mc="http://schemas.openxmlformats.org/markup-compatibility/2006">
+    <mc:Choice xmlns:p14="http://schemas.microsoft.com/office/powerpoint/2010/main" Requires="p14">
+      <p:transition spd="slow" p14:dur="2000" advTm="10407"/>
+    </mc:Choice>
+    <mc:Fallback>
+      <p:transition spd="slow" advTm="10407"/>
+    </mc:Fallback>
+  </mc:AlternateContent>
 </p:sld>
 </file>
 
@@ -18859,6 +18824,14 @@
   <p:clrMapOvr>
     <a:masterClrMapping/>
   </p:clrMapOvr>
+  <mc:AlternateContent xmlns:mc="http://schemas.openxmlformats.org/markup-compatibility/2006">
+    <mc:Choice xmlns:p14="http://schemas.microsoft.com/office/powerpoint/2010/main" Requires="p14">
+      <p:transition spd="slow" p14:dur="2000" advTm="3483"/>
+    </mc:Choice>
+    <mc:Fallback>
+      <p:transition spd="slow" advTm="3483"/>
+    </mc:Fallback>
+  </mc:AlternateContent>
 </p:sld>
 </file>
 
@@ -23262,6 +23235,14 @@
   <p:clrMapOvr>
     <a:masterClrMapping/>
   </p:clrMapOvr>
+  <mc:AlternateContent xmlns:mc="http://schemas.openxmlformats.org/markup-compatibility/2006">
+    <mc:Choice xmlns:p14="http://schemas.microsoft.com/office/powerpoint/2010/main" Requires="p14">
+      <p:transition spd="slow" p14:dur="2000" advTm="1342"/>
+    </mc:Choice>
+    <mc:Fallback>
+      <p:transition spd="slow" advTm="1342"/>
+    </mc:Fallback>
+  </mc:AlternateContent>
 </p:sld>
 </file>
 
@@ -24731,6 +24712,14 @@
   <p:clrMapOvr>
     <a:masterClrMapping/>
   </p:clrMapOvr>
+  <mc:AlternateContent xmlns:mc="http://schemas.openxmlformats.org/markup-compatibility/2006">
+    <mc:Choice xmlns:p14="http://schemas.microsoft.com/office/powerpoint/2010/main" Requires="p14">
+      <p:transition spd="slow" p14:dur="2000" advTm="12867"/>
+    </mc:Choice>
+    <mc:Fallback>
+      <p:transition spd="slow" advTm="12867"/>
+    </mc:Fallback>
+  </mc:AlternateContent>
 </p:sld>
 </file>
 
@@ -25489,11 +25478,14 @@
         </p:txBody>
       </p:sp>
     </p:spTree>
+    <p:custDataLst>
+      <p:tags r:id="rId1"/>
+    </p:custDataLst>
   </p:cSld>
   <p:clrMapOvr>
     <a:masterClrMapping/>
   </p:clrMapOvr>
-  <p:transition spd="slow">
+  <p:transition spd="slow" advTm="3013">
     <p:push dir="u"/>
   </p:transition>
   <p:timing>
@@ -31582,6 +31574,12 @@
 </p:sld>
 </file>
 
+<file path=ppt/tags/tag1.xml><?xml version="1.0" encoding="utf-8"?>
+<p:tagLst xmlns:a="http://schemas.openxmlformats.org/drawingml/2006/main" xmlns:r="http://schemas.openxmlformats.org/officeDocument/2006/relationships" xmlns:p="http://schemas.openxmlformats.org/presentationml/2006/main">
+  <p:tag name="TIMING" val="|0.5|0.6|0"/>
+</p:tagLst>
+</file>
+
 <file path=ppt/theme/theme1.xml><?xml version="1.0" encoding="utf-8"?>
 <a:theme xmlns:a="http://schemas.openxmlformats.org/drawingml/2006/main" name="Economy Major for College: Financial Management by Slidesgo">
   <a:themeElements>
